--- a/Agamya (2).pptx
+++ b/Agamya (2).pptx
@@ -622,7 +622,7 @@
           <a:p>
             <a:fld id="{DF8AFD7F-4AF5-4C0C-9EEB-30204B432CD8}" type="datetimeFigureOut">
               <a:rPr lang="en-IN" smtClean="0"/>
-              <a:t>16-04-2021</a:t>
+              <a:t>17-04-2021</a:t>
             </a:fld>
             <a:endParaRPr lang="en-IN"/>
           </a:p>
@@ -918,7 +918,7 @@
           <a:p>
             <a:fld id="{DF8AFD7F-4AF5-4C0C-9EEB-30204B432CD8}" type="datetimeFigureOut">
               <a:rPr lang="en-IN" smtClean="0"/>
-              <a:t>16-04-2021</a:t>
+              <a:t>17-04-2021</a:t>
             </a:fld>
             <a:endParaRPr lang="en-IN"/>
           </a:p>
@@ -1166,7 +1166,7 @@
           <a:p>
             <a:fld id="{DF8AFD7F-4AF5-4C0C-9EEB-30204B432CD8}" type="datetimeFigureOut">
               <a:rPr lang="en-IN" smtClean="0"/>
-              <a:t>16-04-2021</a:t>
+              <a:t>17-04-2021</a:t>
             </a:fld>
             <a:endParaRPr lang="en-IN"/>
           </a:p>
@@ -1706,7 +1706,7 @@
           <a:p>
             <a:fld id="{DF8AFD7F-4AF5-4C0C-9EEB-30204B432CD8}" type="datetimeFigureOut">
               <a:rPr lang="en-IN" smtClean="0"/>
-              <a:t>16-04-2021</a:t>
+              <a:t>17-04-2021</a:t>
             </a:fld>
             <a:endParaRPr lang="en-IN"/>
           </a:p>
@@ -1954,7 +1954,7 @@
           <a:p>
             <a:fld id="{DF8AFD7F-4AF5-4C0C-9EEB-30204B432CD8}" type="datetimeFigureOut">
               <a:rPr lang="en-IN" smtClean="0"/>
-              <a:t>16-04-2021</a:t>
+              <a:t>17-04-2021</a:t>
             </a:fld>
             <a:endParaRPr lang="en-IN"/>
           </a:p>
@@ -2486,7 +2486,7 @@
           <a:p>
             <a:fld id="{DF8AFD7F-4AF5-4C0C-9EEB-30204B432CD8}" type="datetimeFigureOut">
               <a:rPr lang="en-IN" smtClean="0"/>
-              <a:t>16-04-2021</a:t>
+              <a:t>17-04-2021</a:t>
             </a:fld>
             <a:endParaRPr lang="en-IN"/>
           </a:p>
@@ -2783,7 +2783,7 @@
           <a:p>
             <a:fld id="{DF8AFD7F-4AF5-4C0C-9EEB-30204B432CD8}" type="datetimeFigureOut">
               <a:rPr lang="en-IN" smtClean="0"/>
-              <a:t>16-04-2021</a:t>
+              <a:t>17-04-2021</a:t>
             </a:fld>
             <a:endParaRPr lang="en-IN"/>
           </a:p>
@@ -2957,7 +2957,7 @@
           <a:p>
             <a:fld id="{DF8AFD7F-4AF5-4C0C-9EEB-30204B432CD8}" type="datetimeFigureOut">
               <a:rPr lang="en-IN" smtClean="0"/>
-              <a:t>16-04-2021</a:t>
+              <a:t>17-04-2021</a:t>
             </a:fld>
             <a:endParaRPr lang="en-IN"/>
           </a:p>
@@ -3137,7 +3137,7 @@
           <a:p>
             <a:fld id="{DF8AFD7F-4AF5-4C0C-9EEB-30204B432CD8}" type="datetimeFigureOut">
               <a:rPr lang="en-IN" smtClean="0"/>
-              <a:t>16-04-2021</a:t>
+              <a:t>17-04-2021</a:t>
             </a:fld>
             <a:endParaRPr lang="en-IN"/>
           </a:p>
@@ -3424,7 +3424,7 @@
           <a:p>
             <a:fld id="{DF8AFD7F-4AF5-4C0C-9EEB-30204B432CD8}" type="datetimeFigureOut">
               <a:rPr lang="en-IN" smtClean="0"/>
-              <a:t>16-04-2021</a:t>
+              <a:t>17-04-2021</a:t>
             </a:fld>
             <a:endParaRPr lang="en-IN"/>
           </a:p>
@@ -3636,7 +3636,7 @@
           <a:p>
             <a:fld id="{DF8AFD7F-4AF5-4C0C-9EEB-30204B432CD8}" type="datetimeFigureOut">
               <a:rPr lang="en-IN" smtClean="0"/>
-              <a:t>16-04-2021</a:t>
+              <a:t>17-04-2021</a:t>
             </a:fld>
             <a:endParaRPr lang="en-IN"/>
           </a:p>
@@ -3806,7 +3806,7 @@
           <a:p>
             <a:fld id="{DF8AFD7F-4AF5-4C0C-9EEB-30204B432CD8}" type="datetimeFigureOut">
               <a:rPr lang="en-IN" smtClean="0"/>
-              <a:t>16-04-2021</a:t>
+              <a:t>17-04-2021</a:t>
             </a:fld>
             <a:endParaRPr lang="en-IN"/>
           </a:p>
@@ -4154,7 +4154,7 @@
           <a:p>
             <a:fld id="{DF8AFD7F-4AF5-4C0C-9EEB-30204B432CD8}" type="datetimeFigureOut">
               <a:rPr lang="en-IN" smtClean="0"/>
-              <a:t>16-04-2021</a:t>
+              <a:t>17-04-2021</a:t>
             </a:fld>
             <a:endParaRPr lang="en-IN"/>
           </a:p>
@@ -4429,7 +4429,7 @@
           <a:p>
             <a:fld id="{DF8AFD7F-4AF5-4C0C-9EEB-30204B432CD8}" type="datetimeFigureOut">
               <a:rPr lang="en-IN" smtClean="0"/>
-              <a:t>16-04-2021</a:t>
+              <a:t>17-04-2021</a:t>
             </a:fld>
             <a:endParaRPr lang="en-IN"/>
           </a:p>
@@ -4808,7 +4808,7 @@
           <a:p>
             <a:fld id="{DF8AFD7F-4AF5-4C0C-9EEB-30204B432CD8}" type="datetimeFigureOut">
               <a:rPr lang="en-IN" smtClean="0"/>
-              <a:t>16-04-2021</a:t>
+              <a:t>17-04-2021</a:t>
             </a:fld>
             <a:endParaRPr lang="en-IN"/>
           </a:p>
@@ -4926,7 +4926,7 @@
           <a:p>
             <a:fld id="{DF8AFD7F-4AF5-4C0C-9EEB-30204B432CD8}" type="datetimeFigureOut">
               <a:rPr lang="en-IN" smtClean="0"/>
-              <a:t>16-04-2021</a:t>
+              <a:t>17-04-2021</a:t>
             </a:fld>
             <a:endParaRPr lang="en-IN"/>
           </a:p>
@@ -5097,7 +5097,7 @@
           <a:p>
             <a:fld id="{DF8AFD7F-4AF5-4C0C-9EEB-30204B432CD8}" type="datetimeFigureOut">
               <a:rPr lang="en-IN" smtClean="0"/>
-              <a:t>16-04-2021</a:t>
+              <a:t>17-04-2021</a:t>
             </a:fld>
             <a:endParaRPr lang="en-IN"/>
           </a:p>
@@ -5451,7 +5451,7 @@
           <a:p>
             <a:fld id="{DF8AFD7F-4AF5-4C0C-9EEB-30204B432CD8}" type="datetimeFigureOut">
               <a:rPr lang="en-IN" smtClean="0"/>
-              <a:t>16-04-2021</a:t>
+              <a:t>17-04-2021</a:t>
             </a:fld>
             <a:endParaRPr lang="en-IN"/>
           </a:p>
@@ -5833,7 +5833,7 @@
           <a:p>
             <a:fld id="{DF8AFD7F-4AF5-4C0C-9EEB-30204B432CD8}" type="datetimeFigureOut">
               <a:rPr lang="en-IN" smtClean="0"/>
-              <a:t>16-04-2021</a:t>
+              <a:t>17-04-2021</a:t>
             </a:fld>
             <a:endParaRPr lang="en-IN"/>
           </a:p>
@@ -6003,7 +6003,7 @@
           <a:p>
             <a:fld id="{DF8AFD7F-4AF5-4C0C-9EEB-30204B432CD8}" type="datetimeFigureOut">
               <a:rPr lang="en-IN" smtClean="0"/>
-              <a:t>16-04-2021</a:t>
+              <a:t>17-04-2021</a:t>
             </a:fld>
             <a:endParaRPr lang="en-IN"/>
           </a:p>
@@ -6259,7 +6259,7 @@
           <a:p>
             <a:fld id="{DF8AFD7F-4AF5-4C0C-9EEB-30204B432CD8}" type="datetimeFigureOut">
               <a:rPr lang="en-IN" smtClean="0"/>
-              <a:t>16-04-2021</a:t>
+              <a:t>17-04-2021</a:t>
             </a:fld>
             <a:endParaRPr lang="en-IN"/>
           </a:p>
@@ -6459,7 +6459,7 @@
           <a:p>
             <a:fld id="{DF8AFD7F-4AF5-4C0C-9EEB-30204B432CD8}" type="datetimeFigureOut">
               <a:rPr lang="en-IN" smtClean="0"/>
-              <a:t>16-04-2021</a:t>
+              <a:t>17-04-2021</a:t>
             </a:fld>
             <a:endParaRPr lang="en-IN"/>
           </a:p>
@@ -6746,7 +6746,7 @@
           <a:p>
             <a:fld id="{DF8AFD7F-4AF5-4C0C-9EEB-30204B432CD8}" type="datetimeFigureOut">
               <a:rPr lang="en-IN" smtClean="0"/>
-              <a:t>16-04-2021</a:t>
+              <a:t>17-04-2021</a:t>
             </a:fld>
             <a:endParaRPr lang="en-IN"/>
           </a:p>
@@ -6916,7 +6916,7 @@
           <a:p>
             <a:fld id="{DF8AFD7F-4AF5-4C0C-9EEB-30204B432CD8}" type="datetimeFigureOut">
               <a:rPr lang="en-IN" smtClean="0"/>
-              <a:t>16-04-2021</a:t>
+              <a:t>17-04-2021</a:t>
             </a:fld>
             <a:endParaRPr lang="en-IN"/>
           </a:p>
@@ -7195,7 +7195,7 @@
           <a:p>
             <a:fld id="{DF8AFD7F-4AF5-4C0C-9EEB-30204B432CD8}" type="datetimeFigureOut">
               <a:rPr lang="en-IN" smtClean="0"/>
-              <a:t>16-04-2021</a:t>
+              <a:t>17-04-2021</a:t>
             </a:fld>
             <a:endParaRPr lang="en-IN"/>
           </a:p>
@@ -7463,7 +7463,7 @@
           <a:p>
             <a:fld id="{DF8AFD7F-4AF5-4C0C-9EEB-30204B432CD8}" type="datetimeFigureOut">
               <a:rPr lang="en-IN" smtClean="0"/>
-              <a:t>16-04-2021</a:t>
+              <a:t>17-04-2021</a:t>
             </a:fld>
             <a:endParaRPr lang="en-IN"/>
           </a:p>
@@ -7879,7 +7879,7 @@
           <a:p>
             <a:fld id="{DF8AFD7F-4AF5-4C0C-9EEB-30204B432CD8}" type="datetimeFigureOut">
               <a:rPr lang="en-IN" smtClean="0"/>
-              <a:t>16-04-2021</a:t>
+              <a:t>17-04-2021</a:t>
             </a:fld>
             <a:endParaRPr lang="en-IN"/>
           </a:p>
@@ -8028,7 +8028,7 @@
           <a:p>
             <a:fld id="{DF8AFD7F-4AF5-4C0C-9EEB-30204B432CD8}" type="datetimeFigureOut">
               <a:rPr lang="en-IN" smtClean="0"/>
-              <a:t>16-04-2021</a:t>
+              <a:t>17-04-2021</a:t>
             </a:fld>
             <a:endParaRPr lang="en-IN"/>
           </a:p>
@@ -8154,7 +8154,7 @@
           <a:p>
             <a:fld id="{DF8AFD7F-4AF5-4C0C-9EEB-30204B432CD8}" type="datetimeFigureOut">
               <a:rPr lang="en-IN" smtClean="0"/>
-              <a:t>16-04-2021</a:t>
+              <a:t>17-04-2021</a:t>
             </a:fld>
             <a:endParaRPr lang="en-IN"/>
           </a:p>
@@ -8405,7 +8405,7 @@
           <a:p>
             <a:fld id="{DF8AFD7F-4AF5-4C0C-9EEB-30204B432CD8}" type="datetimeFigureOut">
               <a:rPr lang="en-IN" smtClean="0"/>
-              <a:t>16-04-2021</a:t>
+              <a:t>17-04-2021</a:t>
             </a:fld>
             <a:endParaRPr lang="en-IN"/>
           </a:p>
@@ -8850,7 +8850,7 @@
           <a:p>
             <a:fld id="{DF8AFD7F-4AF5-4C0C-9EEB-30204B432CD8}" type="datetimeFigureOut">
               <a:rPr lang="en-IN" smtClean="0"/>
-              <a:t>16-04-2021</a:t>
+              <a:t>17-04-2021</a:t>
             </a:fld>
             <a:endParaRPr lang="en-IN"/>
           </a:p>
@@ -9056,7 +9056,7 @@
           <a:p>
             <a:fld id="{DF8AFD7F-4AF5-4C0C-9EEB-30204B432CD8}" type="datetimeFigureOut">
               <a:rPr lang="en-IN" smtClean="0"/>
-              <a:t>16-04-2021</a:t>
+              <a:t>17-04-2021</a:t>
             </a:fld>
             <a:endParaRPr lang="en-IN"/>
           </a:p>
@@ -9271,7 +9271,7 @@
           <a:p>
             <a:fld id="{DF8AFD7F-4AF5-4C0C-9EEB-30204B432CD8}" type="datetimeFigureOut">
               <a:rPr lang="en-IN" smtClean="0"/>
-              <a:t>16-04-2021</a:t>
+              <a:t>17-04-2021</a:t>
             </a:fld>
             <a:endParaRPr lang="en-IN"/>
           </a:p>
@@ -9599,7 +9599,7 @@
           <a:p>
             <a:fld id="{DF8AFD7F-4AF5-4C0C-9EEB-30204B432CD8}" type="datetimeFigureOut">
               <a:rPr lang="en-IN" smtClean="0"/>
-              <a:t>16-04-2021</a:t>
+              <a:t>17-04-2021</a:t>
             </a:fld>
             <a:endParaRPr lang="en-IN"/>
           </a:p>
@@ -10041,7 +10041,7 @@
           <a:p>
             <a:fld id="{DF8AFD7F-4AF5-4C0C-9EEB-30204B432CD8}" type="datetimeFigureOut">
               <a:rPr lang="en-IN" smtClean="0"/>
-              <a:t>16-04-2021</a:t>
+              <a:t>17-04-2021</a:t>
             </a:fld>
             <a:endParaRPr lang="en-IN"/>
           </a:p>
@@ -10159,7 +10159,7 @@
           <a:p>
             <a:fld id="{DF8AFD7F-4AF5-4C0C-9EEB-30204B432CD8}" type="datetimeFigureOut">
               <a:rPr lang="en-IN" smtClean="0"/>
-              <a:t>16-04-2021</a:t>
+              <a:t>17-04-2021</a:t>
             </a:fld>
             <a:endParaRPr lang="en-IN"/>
           </a:p>
@@ -10254,7 +10254,7 @@
           <a:p>
             <a:fld id="{DF8AFD7F-4AF5-4C0C-9EEB-30204B432CD8}" type="datetimeFigureOut">
               <a:rPr lang="en-IN" smtClean="0"/>
-              <a:t>16-04-2021</a:t>
+              <a:t>17-04-2021</a:t>
             </a:fld>
             <a:endParaRPr lang="en-IN"/>
           </a:p>
@@ -10537,7 +10537,7 @@
           <a:p>
             <a:fld id="{DF8AFD7F-4AF5-4C0C-9EEB-30204B432CD8}" type="datetimeFigureOut">
               <a:rPr lang="en-IN" smtClean="0"/>
-              <a:t>16-04-2021</a:t>
+              <a:t>17-04-2021</a:t>
             </a:fld>
             <a:endParaRPr lang="en-IN"/>
           </a:p>
@@ -10828,7 +10828,7 @@
           <a:p>
             <a:fld id="{DF8AFD7F-4AF5-4C0C-9EEB-30204B432CD8}" type="datetimeFigureOut">
               <a:rPr lang="en-IN" smtClean="0"/>
-              <a:t>16-04-2021</a:t>
+              <a:t>17-04-2021</a:t>
             </a:fld>
             <a:endParaRPr lang="en-IN"/>
           </a:p>
@@ -11358,7 +11358,7 @@
           <a:p>
             <a:fld id="{DF8AFD7F-4AF5-4C0C-9EEB-30204B432CD8}" type="datetimeFigureOut">
               <a:rPr lang="en-IN" smtClean="0"/>
-              <a:t>16-04-2021</a:t>
+              <a:t>17-04-2021</a:t>
             </a:fld>
             <a:endParaRPr lang="en-IN"/>
           </a:p>
@@ -12098,7 +12098,7 @@
           <a:p>
             <a:fld id="{DF8AFD7F-4AF5-4C0C-9EEB-30204B432CD8}" type="datetimeFigureOut">
               <a:rPr lang="en-IN" smtClean="0"/>
-              <a:t>16-04-2021</a:t>
+              <a:t>17-04-2021</a:t>
             </a:fld>
             <a:endParaRPr lang="en-IN"/>
           </a:p>
@@ -12835,7 +12835,7 @@
           <a:p>
             <a:fld id="{DF8AFD7F-4AF5-4C0C-9EEB-30204B432CD8}" type="datetimeFigureOut">
               <a:rPr lang="en-IN" smtClean="0"/>
-              <a:t>16-04-2021</a:t>
+              <a:t>17-04-2021</a:t>
             </a:fld>
             <a:endParaRPr lang="en-IN"/>
           </a:p>
@@ -13926,7 +13926,7 @@
                 <a:latin typeface="Arial" panose="020B0604020202020204" pitchFamily="34" charset="0"/>
                 <a:cs typeface="Arial" panose="020B0604020202020204" pitchFamily="34" charset="0"/>
               </a:rPr>
-              <a:t>INTRODUCTION TO IDEA</a:t>
+              <a:t>INTRODUCTION </a:t>
             </a:r>
           </a:p>
         </p:txBody>
@@ -14065,7 +14065,7 @@
         </p:blipFill>
         <p:spPr>
           <a:xfrm>
-            <a:off x="2512084" y="0"/>
+            <a:off x="3353748" y="25673"/>
             <a:ext cx="874744" cy="874744"/>
           </a:xfrm>
           <a:prstGeom prst="rect">
@@ -14088,7 +14088,7 @@
           <p:nvPr>
             <p:extLst>
               <p:ext uri="{D42A27DB-BD31-4B8C-83A1-F6EECF244321}">
-                <p14:modId xmlns:p14="http://schemas.microsoft.com/office/powerpoint/2010/main" val="3756030806"/>
+                <p14:modId xmlns:p14="http://schemas.microsoft.com/office/powerpoint/2010/main" val="4262313140"/>
               </p:ext>
             </p:extLst>
           </p:nvPr>
@@ -14197,7 +14197,7 @@
                     <a:p>
                       <a:r>
                         <a:rPr lang="en-IN" sz="2400" dirty="0"/>
-                        <a:t>Customers can check the availability of required medicine in their section and can place the order.</a:t>
+                        <a:t>Customers can check the availability of required medicine in their section and place the order.</a:t>
                       </a:r>
                     </a:p>
                   </a:txBody>
@@ -14748,7 +14748,7 @@
                 <a:latin typeface="Gill Sans MT Condensed" panose="020B0506020104020203" pitchFamily="34" charset="0"/>
                 <a:cs typeface="Arial" panose="020B0604020202020204" pitchFamily="34" charset="0"/>
               </a:rPr>
-              <a:t>To provide the customers with facility of online delivery of medicines at their door-step like food, clothes, etc.</a:t>
+              <a:t>To provide the customers with facility of online delivery of medicines in real time at their door-step like food, clothes, etc.</a:t>
             </a:r>
           </a:p>
           <a:p>
